--- a/public/media_assets/2019_5A_Deck_Template_4_3_helvetica.pptx
+++ b/public/media_assets/2019_5A_Deck_Template_4_3_helvetica.pptx
@@ -3013,7 +3013,7 @@
         <p:spPr>
           <a:xfrm>
             <a:off x="672097" y="7800373"/>
-            <a:ext cx="2566036" cy="381001"/>
+            <a:ext cx="2562487" cy="381001"/>
           </a:xfrm>
           <a:prstGeom prst="rect">
             <a:avLst/>
@@ -3037,6 +3037,10 @@
                 <a:solidFill>
                   <a:srgbClr val="4FE4E7"/>
                 </a:solidFill>
+                <a:latin typeface="+mj-lt"/>
+                <a:ea typeface="+mj-ea"/>
+                <a:cs typeface="+mj-cs"/>
+                <a:sym typeface="Helvetica"/>
               </a:defRPr>
             </a:lvl1pPr>
           </a:lstStyle>
@@ -3057,7 +3061,7 @@
         <p:spPr>
           <a:xfrm>
             <a:off x="672097" y="8116057"/>
-            <a:ext cx="2019682" cy="381001"/>
+            <a:ext cx="2041439" cy="381001"/>
           </a:xfrm>
           <a:prstGeom prst="rect">
             <a:avLst/>
@@ -3081,6 +3085,10 @@
                 <a:solidFill>
                   <a:srgbClr val="4FE4E7"/>
                 </a:solidFill>
+                <a:latin typeface="+mj-lt"/>
+                <a:ea typeface="+mj-ea"/>
+                <a:cs typeface="+mj-cs"/>
+                <a:sym typeface="Helvetica"/>
               </a:defRPr>
             </a:lvl1pPr>
           </a:lstStyle>
@@ -3417,6 +3425,10 @@
                 <a:solidFill>
                   <a:srgbClr val="FFFFFF"/>
                 </a:solidFill>
+                <a:latin typeface="+mj-lt"/>
+                <a:ea typeface="+mj-ea"/>
+                <a:cs typeface="+mj-cs"/>
+                <a:sym typeface="Helvetica"/>
               </a:defRPr>
             </a:pPr>
             <a:r>
@@ -3429,6 +3441,10 @@
                 <a:solidFill>
                   <a:srgbClr val="FFFFFF"/>
                 </a:solidFill>
+                <a:latin typeface="+mj-lt"/>
+                <a:ea typeface="+mj-ea"/>
+                <a:cs typeface="+mj-cs"/>
+                <a:sym typeface="Helvetica"/>
               </a:defRPr>
             </a:pPr>
           </a:p>
@@ -3438,6 +3454,10 @@
                 <a:solidFill>
                   <a:srgbClr val="FFFFFF"/>
                 </a:solidFill>
+                <a:latin typeface="+mj-lt"/>
+                <a:ea typeface="+mj-ea"/>
+                <a:cs typeface="+mj-cs"/>
+                <a:sym typeface="Helvetica"/>
               </a:defRPr>
             </a:pPr>
             <a:r>
@@ -3484,7 +3504,7 @@
         <p:spPr>
           <a:xfrm>
             <a:off x="672097" y="9086337"/>
-            <a:ext cx="2019682" cy="381001"/>
+            <a:ext cx="2041439" cy="381001"/>
           </a:xfrm>
           <a:prstGeom prst="rect">
             <a:avLst/>
@@ -3508,6 +3528,10 @@
                 <a:solidFill>
                   <a:srgbClr val="4FE4E7"/>
                 </a:solidFill>
+                <a:latin typeface="+mj-lt"/>
+                <a:ea typeface="+mj-ea"/>
+                <a:cs typeface="+mj-cs"/>
+                <a:sym typeface="Helvetica"/>
               </a:defRPr>
             </a:lvl1pPr>
           </a:lstStyle>
@@ -3662,6 +3686,10 @@
                 <a:solidFill>
                   <a:srgbClr val="4FE4E7"/>
                 </a:solidFill>
+                <a:latin typeface="+mj-lt"/>
+                <a:ea typeface="+mj-ea"/>
+                <a:cs typeface="+mj-cs"/>
+                <a:sym typeface="Helvetica"/>
               </a:defRPr>
             </a:pPr>
             <a:r>
@@ -3677,6 +3705,10 @@
                 <a:solidFill>
                   <a:srgbClr val="4FE4E7"/>
                 </a:solidFill>
+                <a:latin typeface="+mj-lt"/>
+                <a:ea typeface="+mj-ea"/>
+                <a:cs typeface="+mj-cs"/>
+                <a:sym typeface="Helvetica"/>
               </a:defRPr>
             </a:pPr>
             <a:r>
@@ -3879,6 +3911,10 @@
                 <a:solidFill>
                   <a:srgbClr val="797979"/>
                 </a:solidFill>
+                <a:latin typeface="+mj-lt"/>
+                <a:ea typeface="+mj-ea"/>
+                <a:cs typeface="+mj-cs"/>
+                <a:sym typeface="Helvetica"/>
               </a:defRPr>
             </a:lvl1pPr>
           </a:lstStyle>
@@ -3928,7 +3964,7 @@
         <p:spPr>
           <a:xfrm>
             <a:off x="672097" y="9086337"/>
-            <a:ext cx="2019682" cy="381001"/>
+            <a:ext cx="2041439" cy="381001"/>
           </a:xfrm>
           <a:prstGeom prst="rect">
             <a:avLst/>
@@ -3952,6 +3988,10 @@
                 <a:solidFill>
                   <a:srgbClr val="4FE4E7"/>
                 </a:solidFill>
+                <a:latin typeface="+mj-lt"/>
+                <a:ea typeface="+mj-ea"/>
+                <a:cs typeface="+mj-cs"/>
+                <a:sym typeface="Helvetica"/>
               </a:defRPr>
             </a:lvl1pPr>
           </a:lstStyle>
@@ -4134,6 +4174,10 @@
                 <a:solidFill>
                   <a:srgbClr val="FFFFFF"/>
                 </a:solidFill>
+                <a:latin typeface="+mj-lt"/>
+                <a:ea typeface="+mj-ea"/>
+                <a:cs typeface="+mj-cs"/>
+                <a:sym typeface="Helvetica"/>
               </a:defRPr>
             </a:lvl1pPr>
           </a:lstStyle>
@@ -4183,7 +4227,7 @@
         <p:spPr>
           <a:xfrm>
             <a:off x="672097" y="9086337"/>
-            <a:ext cx="2019682" cy="381001"/>
+            <a:ext cx="2041439" cy="381001"/>
           </a:xfrm>
           <a:prstGeom prst="rect">
             <a:avLst/>
@@ -4207,6 +4251,10 @@
                 <a:solidFill>
                   <a:srgbClr val="4FE4E7"/>
                 </a:solidFill>
+                <a:latin typeface="+mj-lt"/>
+                <a:ea typeface="+mj-ea"/>
+                <a:cs typeface="+mj-cs"/>
+                <a:sym typeface="Helvetica"/>
               </a:defRPr>
             </a:lvl1pPr>
           </a:lstStyle>
@@ -4286,6 +4334,10 @@
                 <a:solidFill>
                   <a:srgbClr val="797979"/>
                 </a:solidFill>
+                <a:latin typeface="+mj-lt"/>
+                <a:ea typeface="+mj-ea"/>
+                <a:cs typeface="+mj-cs"/>
+                <a:sym typeface="Helvetica"/>
               </a:defRPr>
             </a:pPr>
             <a:r>
@@ -4306,6 +4358,10 @@
                 <a:solidFill>
                   <a:srgbClr val="797979"/>
                 </a:solidFill>
+                <a:latin typeface="+mj-lt"/>
+                <a:ea typeface="+mj-ea"/>
+                <a:cs typeface="+mj-cs"/>
+                <a:sym typeface="Helvetica"/>
               </a:defRPr>
             </a:pPr>
             <a:r>
@@ -4326,6 +4382,10 @@
                 <a:solidFill>
                   <a:srgbClr val="797979"/>
                 </a:solidFill>
+                <a:latin typeface="+mj-lt"/>
+                <a:ea typeface="+mj-ea"/>
+                <a:cs typeface="+mj-cs"/>
+                <a:sym typeface="Helvetica"/>
               </a:defRPr>
             </a:pPr>
             <a:r>
@@ -4346,6 +4406,10 @@
                 <a:solidFill>
                   <a:srgbClr val="797979"/>
                 </a:solidFill>
+                <a:latin typeface="+mj-lt"/>
+                <a:ea typeface="+mj-ea"/>
+                <a:cs typeface="+mj-cs"/>
+                <a:sym typeface="Helvetica"/>
               </a:defRPr>
             </a:pPr>
             <a:r>
@@ -4469,7 +4533,7 @@
         <p:spPr>
           <a:xfrm>
             <a:off x="672097" y="9086337"/>
-            <a:ext cx="2019682" cy="381001"/>
+            <a:ext cx="2041439" cy="381001"/>
           </a:xfrm>
           <a:prstGeom prst="rect">
             <a:avLst/>
@@ -4493,6 +4557,10 @@
                 <a:solidFill>
                   <a:srgbClr val="4FE4E7"/>
                 </a:solidFill>
+                <a:latin typeface="+mj-lt"/>
+                <a:ea typeface="+mj-ea"/>
+                <a:cs typeface="+mj-cs"/>
+                <a:sym typeface="Helvetica"/>
               </a:defRPr>
             </a:lvl1pPr>
           </a:lstStyle>
@@ -4713,6 +4781,10 @@
                 <a:solidFill>
                   <a:srgbClr val="FFFFFF"/>
                 </a:solidFill>
+                <a:latin typeface="+mj-lt"/>
+                <a:ea typeface="+mj-ea"/>
+                <a:cs typeface="+mj-cs"/>
+                <a:sym typeface="Helvetica"/>
               </a:defRPr>
             </a:pPr>
             <a:r>
@@ -4733,6 +4805,10 @@
                 <a:solidFill>
                   <a:srgbClr val="FFFFFF"/>
                 </a:solidFill>
+                <a:latin typeface="+mj-lt"/>
+                <a:ea typeface="+mj-ea"/>
+                <a:cs typeface="+mj-cs"/>
+                <a:sym typeface="Helvetica"/>
               </a:defRPr>
             </a:pPr>
             <a:r>
@@ -4753,6 +4829,10 @@
                 <a:solidFill>
                   <a:srgbClr val="FFFFFF"/>
                 </a:solidFill>
+                <a:latin typeface="+mj-lt"/>
+                <a:ea typeface="+mj-ea"/>
+                <a:cs typeface="+mj-cs"/>
+                <a:sym typeface="Helvetica"/>
               </a:defRPr>
             </a:pPr>
             <a:r>
@@ -4773,6 +4853,10 @@
                 <a:solidFill>
                   <a:srgbClr val="FFFFFF"/>
                 </a:solidFill>
+                <a:latin typeface="+mj-lt"/>
+                <a:ea typeface="+mj-ea"/>
+                <a:cs typeface="+mj-cs"/>
+                <a:sym typeface="Helvetica"/>
               </a:defRPr>
             </a:pPr>
             <a:r>
@@ -4790,7 +4874,7 @@
         <p:spPr>
           <a:xfrm>
             <a:off x="672097" y="9086337"/>
-            <a:ext cx="2019682" cy="381001"/>
+            <a:ext cx="2041439" cy="381001"/>
           </a:xfrm>
           <a:prstGeom prst="rect">
             <a:avLst/>
@@ -4814,6 +4898,10 @@
                 <a:solidFill>
                   <a:srgbClr val="4FE4E7"/>
                 </a:solidFill>
+                <a:latin typeface="+mj-lt"/>
+                <a:ea typeface="+mj-ea"/>
+                <a:cs typeface="+mj-cs"/>
+                <a:sym typeface="Helvetica"/>
               </a:defRPr>
             </a:lvl1pPr>
           </a:lstStyle>
@@ -4884,6 +4972,10 @@
                 <a:solidFill>
                   <a:srgbClr val="797979"/>
                 </a:solidFill>
+                <a:latin typeface="+mj-lt"/>
+                <a:ea typeface="+mj-ea"/>
+                <a:cs typeface="+mj-cs"/>
+                <a:sym typeface="Helvetica"/>
               </a:defRPr>
             </a:lvl1pPr>
           </a:lstStyle>
@@ -5040,7 +5132,7 @@
         <p:spPr>
           <a:xfrm>
             <a:off x="672097" y="9086337"/>
-            <a:ext cx="2019682" cy="381001"/>
+            <a:ext cx="2041439" cy="381001"/>
           </a:xfrm>
           <a:prstGeom prst="rect">
             <a:avLst/>
@@ -5064,6 +5156,10 @@
                 <a:solidFill>
                   <a:srgbClr val="4FE4E7"/>
                 </a:solidFill>
+                <a:latin typeface="+mj-lt"/>
+                <a:ea typeface="+mj-ea"/>
+                <a:cs typeface="+mj-cs"/>
+                <a:sym typeface="Helvetica"/>
               </a:defRPr>
             </a:lvl1pPr>
           </a:lstStyle>
@@ -5302,8 +5398,8 @@
         </p:blipFill>
         <p:spPr>
           <a:xfrm>
-            <a:off x="684791" y="2553844"/>
-            <a:ext cx="10325101" cy="2467635"/>
+            <a:off x="684791" y="7095410"/>
+            <a:ext cx="10326621" cy="1718506"/>
           </a:xfrm>
           <a:prstGeom prst="rect">
             <a:avLst/>
@@ -5331,8 +5427,8 @@
         </p:blipFill>
         <p:spPr>
           <a:xfrm>
-            <a:off x="684791" y="7095410"/>
-            <a:ext cx="10326621" cy="1718506"/>
+            <a:off x="685550" y="2553844"/>
+            <a:ext cx="10325101" cy="2467635"/>
           </a:xfrm>
           <a:prstGeom prst="rect">
             <a:avLst/>
@@ -5633,6 +5729,10 @@
                 <a:solidFill>
                   <a:srgbClr val="797979"/>
                 </a:solidFill>
+                <a:latin typeface="+mj-lt"/>
+                <a:ea typeface="+mj-ea"/>
+                <a:cs typeface="+mj-cs"/>
+                <a:sym typeface="Helvetica"/>
               </a:defRPr>
             </a:pPr>
             <a:r>
@@ -5645,6 +5745,10 @@
                 <a:solidFill>
                   <a:srgbClr val="797979"/>
                 </a:solidFill>
+                <a:latin typeface="+mj-lt"/>
+                <a:ea typeface="+mj-ea"/>
+                <a:cs typeface="+mj-cs"/>
+                <a:sym typeface="Helvetica"/>
               </a:defRPr>
             </a:pPr>
             <a:r>
@@ -5657,6 +5761,10 @@
                 <a:solidFill>
                   <a:srgbClr val="797979"/>
                 </a:solidFill>
+                <a:latin typeface="+mj-lt"/>
+                <a:ea typeface="+mj-ea"/>
+                <a:cs typeface="+mj-cs"/>
+                <a:sym typeface="Helvetica"/>
               </a:defRPr>
             </a:pPr>
             <a:r>
@@ -5669,6 +5777,10 @@
                 <a:solidFill>
                   <a:srgbClr val="797979"/>
                 </a:solidFill>
+                <a:latin typeface="+mj-lt"/>
+                <a:ea typeface="+mj-ea"/>
+                <a:cs typeface="+mj-cs"/>
+                <a:sym typeface="Helvetica"/>
               </a:defRPr>
             </a:pPr>
             <a:r>
@@ -5681,6 +5793,10 @@
                 <a:solidFill>
                   <a:srgbClr val="797979"/>
                 </a:solidFill>
+                <a:latin typeface="+mj-lt"/>
+                <a:ea typeface="+mj-ea"/>
+                <a:cs typeface="+mj-cs"/>
+                <a:sym typeface="Helvetica"/>
               </a:defRPr>
             </a:pPr>
             <a:r>
@@ -5693,6 +5809,10 @@
                 <a:solidFill>
                   <a:srgbClr val="797979"/>
                 </a:solidFill>
+                <a:latin typeface="+mj-lt"/>
+                <a:ea typeface="+mj-ea"/>
+                <a:cs typeface="+mj-cs"/>
+                <a:sym typeface="Helvetica"/>
               </a:defRPr>
             </a:pPr>
             <a:r>
@@ -5705,6 +5825,10 @@
                 <a:solidFill>
                   <a:srgbClr val="797979"/>
                 </a:solidFill>
+                <a:latin typeface="+mj-lt"/>
+                <a:ea typeface="+mj-ea"/>
+                <a:cs typeface="+mj-cs"/>
+                <a:sym typeface="Helvetica"/>
               </a:defRPr>
             </a:pPr>
             <a:r>
@@ -5717,6 +5841,10 @@
                 <a:solidFill>
                   <a:srgbClr val="797979"/>
                 </a:solidFill>
+                <a:latin typeface="+mj-lt"/>
+                <a:ea typeface="+mj-ea"/>
+                <a:cs typeface="+mj-cs"/>
+                <a:sym typeface="Helvetica"/>
               </a:defRPr>
             </a:pPr>
             <a:r>
@@ -5729,6 +5857,10 @@
                 <a:solidFill>
                   <a:srgbClr val="797979"/>
                 </a:solidFill>
+                <a:latin typeface="+mj-lt"/>
+                <a:ea typeface="+mj-ea"/>
+                <a:cs typeface="+mj-cs"/>
+                <a:sym typeface="Helvetica"/>
               </a:defRPr>
             </a:pPr>
             <a:r>
@@ -5741,6 +5873,10 @@
                 <a:solidFill>
                   <a:srgbClr val="797979"/>
                 </a:solidFill>
+                <a:latin typeface="+mj-lt"/>
+                <a:ea typeface="+mj-ea"/>
+                <a:cs typeface="+mj-cs"/>
+                <a:sym typeface="Helvetica"/>
               </a:defRPr>
             </a:pPr>
             <a:r>
@@ -5753,6 +5889,10 @@
                 <a:solidFill>
                   <a:srgbClr val="797979"/>
                 </a:solidFill>
+                <a:latin typeface="+mj-lt"/>
+                <a:ea typeface="+mj-ea"/>
+                <a:cs typeface="+mj-cs"/>
+                <a:sym typeface="Helvetica"/>
               </a:defRPr>
             </a:pPr>
             <a:r>
@@ -5765,6 +5905,10 @@
                 <a:solidFill>
                   <a:srgbClr val="797979"/>
                 </a:solidFill>
+                <a:latin typeface="+mj-lt"/>
+                <a:ea typeface="+mj-ea"/>
+                <a:cs typeface="+mj-cs"/>
+                <a:sym typeface="Helvetica"/>
               </a:defRPr>
             </a:pPr>
             <a:r>
@@ -5865,6 +6009,10 @@
                 <a:solidFill>
                   <a:srgbClr val="797979"/>
                 </a:solidFill>
+                <a:latin typeface="+mj-lt"/>
+                <a:ea typeface="+mj-ea"/>
+                <a:cs typeface="+mj-cs"/>
+                <a:sym typeface="Helvetica"/>
               </a:defRPr>
             </a:pPr>
             <a:r>
@@ -5877,6 +6025,10 @@
                 <a:solidFill>
                   <a:srgbClr val="797979"/>
                 </a:solidFill>
+                <a:latin typeface="+mj-lt"/>
+                <a:ea typeface="+mj-ea"/>
+                <a:cs typeface="+mj-cs"/>
+                <a:sym typeface="Helvetica"/>
               </a:defRPr>
             </a:pPr>
             <a:r>
@@ -5889,6 +6041,10 @@
                 <a:solidFill>
                   <a:srgbClr val="797979"/>
                 </a:solidFill>
+                <a:latin typeface="+mj-lt"/>
+                <a:ea typeface="+mj-ea"/>
+                <a:cs typeface="+mj-cs"/>
+                <a:sym typeface="Helvetica"/>
               </a:defRPr>
             </a:pPr>
             <a:r>
@@ -5901,6 +6057,10 @@
                 <a:solidFill>
                   <a:srgbClr val="797979"/>
                 </a:solidFill>
+                <a:latin typeface="+mj-lt"/>
+                <a:ea typeface="+mj-ea"/>
+                <a:cs typeface="+mj-cs"/>
+                <a:sym typeface="Helvetica"/>
               </a:defRPr>
             </a:pPr>
             <a:r>
@@ -5913,6 +6073,10 @@
                 <a:solidFill>
                   <a:srgbClr val="797979"/>
                 </a:solidFill>
+                <a:latin typeface="+mj-lt"/>
+                <a:ea typeface="+mj-ea"/>
+                <a:cs typeface="+mj-cs"/>
+                <a:sym typeface="Helvetica"/>
               </a:defRPr>
             </a:pPr>
             <a:r>
@@ -5925,6 +6089,10 @@
                 <a:solidFill>
                   <a:srgbClr val="797979"/>
                 </a:solidFill>
+                <a:latin typeface="+mj-lt"/>
+                <a:ea typeface="+mj-ea"/>
+                <a:cs typeface="+mj-cs"/>
+                <a:sym typeface="Helvetica"/>
               </a:defRPr>
             </a:pPr>
             <a:r>
@@ -5937,6 +6105,10 @@
                 <a:solidFill>
                   <a:srgbClr val="797979"/>
                 </a:solidFill>
+                <a:latin typeface="+mj-lt"/>
+                <a:ea typeface="+mj-ea"/>
+                <a:cs typeface="+mj-cs"/>
+                <a:sym typeface="Helvetica"/>
               </a:defRPr>
             </a:pPr>
             <a:r>
@@ -5949,6 +6121,10 @@
                 <a:solidFill>
                   <a:srgbClr val="797979"/>
                 </a:solidFill>
+                <a:latin typeface="+mj-lt"/>
+                <a:ea typeface="+mj-ea"/>
+                <a:cs typeface="+mj-cs"/>
+                <a:sym typeface="Helvetica"/>
               </a:defRPr>
             </a:pPr>
             <a:r>
@@ -5961,6 +6137,10 @@
                 <a:solidFill>
                   <a:srgbClr val="797979"/>
                 </a:solidFill>
+                <a:latin typeface="+mj-lt"/>
+                <a:ea typeface="+mj-ea"/>
+                <a:cs typeface="+mj-cs"/>
+                <a:sym typeface="Helvetica"/>
               </a:defRPr>
             </a:pPr>
             <a:r>
@@ -5973,6 +6153,10 @@
                 <a:solidFill>
                   <a:srgbClr val="797979"/>
                 </a:solidFill>
+                <a:latin typeface="+mj-lt"/>
+                <a:ea typeface="+mj-ea"/>
+                <a:cs typeface="+mj-cs"/>
+                <a:sym typeface="Helvetica"/>
               </a:defRPr>
             </a:pPr>
             <a:r>
@@ -5985,10 +6169,14 @@
                 <a:solidFill>
                   <a:srgbClr val="797979"/>
                 </a:solidFill>
+                <a:latin typeface="+mj-lt"/>
+                <a:ea typeface="+mj-ea"/>
+                <a:cs typeface="+mj-cs"/>
+                <a:sym typeface="Helvetica"/>
               </a:defRPr>
             </a:pPr>
             <a:r>
-              <a:t>Nanno</a:t>
+              <a:t>ImageSeller</a:t>
             </a:r>
           </a:p>
           <a:p>
@@ -5997,10 +6185,14 @@
                 <a:solidFill>
                   <a:srgbClr val="797979"/>
                 </a:solidFill>
+                <a:latin typeface="+mj-lt"/>
+                <a:ea typeface="+mj-ea"/>
+                <a:cs typeface="+mj-cs"/>
+                <a:sym typeface="Helvetica"/>
               </a:defRPr>
             </a:pPr>
             <a:r>
-              <a:t>Nix Media</a:t>
+              <a:t>Nanno</a:t>
             </a:r>
           </a:p>
         </p:txBody>
@@ -6014,7 +6206,7 @@
         <p:spPr>
           <a:xfrm>
             <a:off x="3810568" y="5772444"/>
-            <a:ext cx="2885737" cy="1997287"/>
+            <a:ext cx="2885737" cy="2213187"/>
           </a:xfrm>
           <a:prstGeom prst="rect">
             <a:avLst/>
@@ -6039,10 +6231,14 @@
                 <a:solidFill>
                   <a:srgbClr val="797979"/>
                 </a:solidFill>
+                <a:latin typeface="+mj-lt"/>
+                <a:ea typeface="+mj-ea"/>
+                <a:cs typeface="+mj-cs"/>
+                <a:sym typeface="Helvetica"/>
               </a:defRPr>
             </a:pPr>
             <a:r>
-              <a:t>Officescapes</a:t>
+              <a:t>Nix Media</a:t>
             </a:r>
           </a:p>
           <a:p>
@@ -6051,10 +6247,14 @@
                 <a:solidFill>
                   <a:srgbClr val="797979"/>
                 </a:solidFill>
+                <a:latin typeface="+mj-lt"/>
+                <a:ea typeface="+mj-ea"/>
+                <a:cs typeface="+mj-cs"/>
+                <a:sym typeface="Helvetica"/>
               </a:defRPr>
             </a:pPr>
             <a:r>
-              <a:t>Procare</a:t>
+              <a:t>Officescapes</a:t>
             </a:r>
           </a:p>
           <a:p>
@@ -6063,10 +6263,14 @@
                 <a:solidFill>
                   <a:srgbClr val="797979"/>
                 </a:solidFill>
+                <a:latin typeface="+mj-lt"/>
+                <a:ea typeface="+mj-ea"/>
+                <a:cs typeface="+mj-cs"/>
+                <a:sym typeface="Helvetica"/>
               </a:defRPr>
             </a:pPr>
             <a:r>
-              <a:t>Quizlet Ridg</a:t>
+              <a:t>Procare</a:t>
             </a:r>
           </a:p>
           <a:p>
@@ -6075,10 +6279,14 @@
                 <a:solidFill>
                   <a:srgbClr val="797979"/>
                 </a:solidFill>
+                <a:latin typeface="+mj-lt"/>
+                <a:ea typeface="+mj-ea"/>
+                <a:cs typeface="+mj-cs"/>
+                <a:sym typeface="Helvetica"/>
               </a:defRPr>
             </a:pPr>
             <a:r>
-              <a:t>Segment</a:t>
+              <a:t>Quizlet Ridg</a:t>
             </a:r>
           </a:p>
           <a:p>
@@ -6087,10 +6295,14 @@
                 <a:solidFill>
                   <a:srgbClr val="797979"/>
                 </a:solidFill>
+                <a:latin typeface="+mj-lt"/>
+                <a:ea typeface="+mj-ea"/>
+                <a:cs typeface="+mj-cs"/>
+                <a:sym typeface="Helvetica"/>
               </a:defRPr>
             </a:pPr>
             <a:r>
-              <a:t>SimpleBooth</a:t>
+              <a:t>Segment</a:t>
             </a:r>
           </a:p>
           <a:p>
@@ -6099,10 +6311,14 @@
                 <a:solidFill>
                   <a:srgbClr val="797979"/>
                 </a:solidFill>
+                <a:latin typeface="+mj-lt"/>
+                <a:ea typeface="+mj-ea"/>
+                <a:cs typeface="+mj-cs"/>
+                <a:sym typeface="Helvetica"/>
               </a:defRPr>
             </a:pPr>
             <a:r>
-              <a:t>Slalom</a:t>
+              <a:t>SimpleBooth</a:t>
             </a:r>
           </a:p>
           <a:p>
@@ -6111,10 +6327,14 @@
                 <a:solidFill>
                   <a:srgbClr val="797979"/>
                 </a:solidFill>
+                <a:latin typeface="+mj-lt"/>
+                <a:ea typeface="+mj-ea"/>
+                <a:cs typeface="+mj-cs"/>
+                <a:sym typeface="Helvetica"/>
               </a:defRPr>
             </a:pPr>
             <a:r>
-              <a:t>Tendril / Uplight</a:t>
+              <a:t>Slalom</a:t>
             </a:r>
           </a:p>
           <a:p>
@@ -6123,10 +6343,14 @@
                 <a:solidFill>
                   <a:srgbClr val="797979"/>
                 </a:solidFill>
+                <a:latin typeface="+mj-lt"/>
+                <a:ea typeface="+mj-ea"/>
+                <a:cs typeface="+mj-cs"/>
+                <a:sym typeface="Helvetica"/>
               </a:defRPr>
             </a:pPr>
             <a:r>
-              <a:t>Test Double</a:t>
+              <a:t>Tendril / Uplight</a:t>
             </a:r>
           </a:p>
           <a:p>
@@ -6135,6 +6359,26 @@
                 <a:solidFill>
                   <a:srgbClr val="797979"/>
                 </a:solidFill>
+                <a:latin typeface="+mj-lt"/>
+                <a:ea typeface="+mj-ea"/>
+                <a:cs typeface="+mj-cs"/>
+                <a:sym typeface="Helvetica"/>
+              </a:defRPr>
+            </a:pPr>
+            <a:r>
+              <a:t>Test Double</a:t>
+            </a:r>
+          </a:p>
+          <a:p>
+            <a:pPr algn="l">
+              <a:defRPr spc="-28" sz="1400">
+                <a:solidFill>
+                  <a:srgbClr val="797979"/>
+                </a:solidFill>
+                <a:latin typeface="+mj-lt"/>
+                <a:ea typeface="+mj-ea"/>
+                <a:cs typeface="+mj-cs"/>
+                <a:sym typeface="Helvetica"/>
               </a:defRPr>
             </a:pPr>
             <a:r>
